--- a/pictures_png/fff.pptx
+++ b/pictures_png/fff.pptx
@@ -302,7 +302,7 @@
           <a:p>
             <a:fld id="{FB30EDBD-1C2D-4C1E-B459-B60219FAB484}" type="datetimeFigureOut">
               <a:rPr lang="ko-KR" altLang="en-US" smtClean="0"/>
-              <a:t>2019-08-13</a:t>
+              <a:t>2019-08-14</a:t>
             </a:fld>
             <a:endParaRPr lang="ko-KR" altLang="en-US"/>
           </a:p>
@@ -465,7 +465,7 @@
           <a:p>
             <a:fld id="{FB30EDBD-1C2D-4C1E-B459-B60219FAB484}" type="datetimeFigureOut">
               <a:rPr lang="ko-KR" altLang="en-US" smtClean="0"/>
-              <a:t>2019-08-13</a:t>
+              <a:t>2019-08-14</a:t>
             </a:fld>
             <a:endParaRPr lang="ko-KR" altLang="en-US"/>
           </a:p>
@@ -638,7 +638,7 @@
           <a:p>
             <a:fld id="{FB30EDBD-1C2D-4C1E-B459-B60219FAB484}" type="datetimeFigureOut">
               <a:rPr lang="ko-KR" altLang="en-US" smtClean="0"/>
-              <a:t>2019-08-13</a:t>
+              <a:t>2019-08-14</a:t>
             </a:fld>
             <a:endParaRPr lang="ko-KR" altLang="en-US"/>
           </a:p>
@@ -801,7 +801,7 @@
           <a:p>
             <a:fld id="{FB30EDBD-1C2D-4C1E-B459-B60219FAB484}" type="datetimeFigureOut">
               <a:rPr lang="ko-KR" altLang="en-US" smtClean="0"/>
-              <a:t>2019-08-13</a:t>
+              <a:t>2019-08-14</a:t>
             </a:fld>
             <a:endParaRPr lang="ko-KR" altLang="en-US"/>
           </a:p>
@@ -1041,7 +1041,7 @@
           <a:p>
             <a:fld id="{FB30EDBD-1C2D-4C1E-B459-B60219FAB484}" type="datetimeFigureOut">
               <a:rPr lang="ko-KR" altLang="en-US" smtClean="0"/>
-              <a:t>2019-08-13</a:t>
+              <a:t>2019-08-14</a:t>
             </a:fld>
             <a:endParaRPr lang="ko-KR" altLang="en-US"/>
           </a:p>
@@ -1321,7 +1321,7 @@
           <a:p>
             <a:fld id="{FB30EDBD-1C2D-4C1E-B459-B60219FAB484}" type="datetimeFigureOut">
               <a:rPr lang="ko-KR" altLang="en-US" smtClean="0"/>
-              <a:t>2019-08-13</a:t>
+              <a:t>2019-08-14</a:t>
             </a:fld>
             <a:endParaRPr lang="ko-KR" altLang="en-US"/>
           </a:p>
@@ -1735,7 +1735,7 @@
           <a:p>
             <a:fld id="{FB30EDBD-1C2D-4C1E-B459-B60219FAB484}" type="datetimeFigureOut">
               <a:rPr lang="ko-KR" altLang="en-US" smtClean="0"/>
-              <a:t>2019-08-13</a:t>
+              <a:t>2019-08-14</a:t>
             </a:fld>
             <a:endParaRPr lang="ko-KR" altLang="en-US"/>
           </a:p>
@@ -1847,7 +1847,7 @@
           <a:p>
             <a:fld id="{FB30EDBD-1C2D-4C1E-B459-B60219FAB484}" type="datetimeFigureOut">
               <a:rPr lang="ko-KR" altLang="en-US" smtClean="0"/>
-              <a:t>2019-08-13</a:t>
+              <a:t>2019-08-14</a:t>
             </a:fld>
             <a:endParaRPr lang="ko-KR" altLang="en-US"/>
           </a:p>
@@ -1937,7 +1937,7 @@
           <a:p>
             <a:fld id="{FB30EDBD-1C2D-4C1E-B459-B60219FAB484}" type="datetimeFigureOut">
               <a:rPr lang="ko-KR" altLang="en-US" smtClean="0"/>
-              <a:t>2019-08-13</a:t>
+              <a:t>2019-08-14</a:t>
             </a:fld>
             <a:endParaRPr lang="ko-KR" altLang="en-US"/>
           </a:p>
@@ -2207,7 +2207,7 @@
           <a:p>
             <a:fld id="{FB30EDBD-1C2D-4C1E-B459-B60219FAB484}" type="datetimeFigureOut">
               <a:rPr lang="ko-KR" altLang="en-US" smtClean="0"/>
-              <a:t>2019-08-13</a:t>
+              <a:t>2019-08-14</a:t>
             </a:fld>
             <a:endParaRPr lang="ko-KR" altLang="en-US"/>
           </a:p>
@@ -2454,7 +2454,7 @@
           <a:p>
             <a:fld id="{FB30EDBD-1C2D-4C1E-B459-B60219FAB484}" type="datetimeFigureOut">
               <a:rPr lang="ko-KR" altLang="en-US" smtClean="0"/>
-              <a:t>2019-08-13</a:t>
+              <a:t>2019-08-14</a:t>
             </a:fld>
             <a:endParaRPr lang="ko-KR" altLang="en-US"/>
           </a:p>
@@ -2660,7 +2660,7 @@
           <a:p>
             <a:fld id="{FB30EDBD-1C2D-4C1E-B459-B60219FAB484}" type="datetimeFigureOut">
               <a:rPr lang="ko-KR" altLang="en-US" smtClean="0"/>
-              <a:t>2019-08-13</a:t>
+              <a:t>2019-08-14</a:t>
             </a:fld>
             <a:endParaRPr lang="ko-KR" altLang="en-US"/>
           </a:p>
@@ -3046,12 +3046,13 @@
         </p:nvPicPr>
         <p:blipFill>
           <a:blip r:embed="rId2">
+            <a:biLevel thresh="50000"/>
             <a:extLst>
               <a:ext uri="{BEBA8EAE-BF5A-486C-A8C5-ECC9F3942E4B}">
                 <a14:imgProps xmlns:a14="http://schemas.microsoft.com/office/drawing/2010/main">
                   <a14:imgLayer r:embed="rId3">
                     <a14:imgEffect>
-                      <a14:artisticPaintStrokes/>
+                      <a14:artisticBlur/>
                     </a14:imgEffect>
                   </a14:imgLayer>
                 </a14:imgProps>
@@ -3066,8 +3067,8 @@
         </p:blipFill>
         <p:spPr>
           <a:xfrm>
-            <a:off x="1403648" y="1412776"/>
-            <a:ext cx="6096000" cy="3429000"/>
+            <a:off x="2343987" y="1257640"/>
+            <a:ext cx="3879959" cy="2182477"/>
           </a:xfrm>
           <a:prstGeom prst="rect">
             <a:avLst/>
